--- a/Gun Violence in the US (07.18.19).pptx
+++ b/Gun Violence in the US (07.18.19).pptx
@@ -21,7 +21,13 @@
     <p:sldId id="272" r:id="rId15"/>
     <p:sldId id="273" r:id="rId16"/>
     <p:sldId id="274" r:id="rId17"/>
-    <p:sldId id="271" r:id="rId18"/>
+    <p:sldId id="275" r:id="rId18"/>
+    <p:sldId id="276" r:id="rId19"/>
+    <p:sldId id="277" r:id="rId20"/>
+    <p:sldId id="278" r:id="rId21"/>
+    <p:sldId id="279" r:id="rId22"/>
+    <p:sldId id="271" r:id="rId23"/>
+    <p:sldId id="280" r:id="rId24"/>
   </p:sldIdLst>
   <p:sldSz cx="12192000" cy="6858000"/>
   <p:notesSz cx="6858000" cy="9144000"/>
@@ -5105,6 +5111,92 @@
           <a:chExt cx="0" cy="0"/>
         </a:xfrm>
       </p:grpSpPr>
+      <p:pic>
+        <p:nvPicPr>
+          <p:cNvPr id="2" name="Picture 1">
+            <a:extLst>
+              <a:ext uri="{FF2B5EF4-FFF2-40B4-BE49-F238E27FC236}">
+                <a16:creationId xmlns:a16="http://schemas.microsoft.com/office/drawing/2014/main" id="{D6B8B2DE-D01D-44EA-8C8D-520A0E66BC8B}"/>
+              </a:ext>
+            </a:extLst>
+          </p:cNvPr>
+          <p:cNvPicPr>
+            <a:picLocks noChangeAspect="1"/>
+          </p:cNvPicPr>
+          <p:nvPr/>
+        </p:nvPicPr>
+        <p:blipFill>
+          <a:blip r:embed="rId2"/>
+          <a:stretch>
+            <a:fillRect/>
+          </a:stretch>
+        </p:blipFill>
+        <p:spPr>
+          <a:xfrm>
+            <a:off x="0" y="-1"/>
+            <a:ext cx="10220543" cy="6391373"/>
+          </a:xfrm>
+          <a:prstGeom prst="rect">
+            <a:avLst/>
+          </a:prstGeom>
+        </p:spPr>
+      </p:pic>
+      <p:sp>
+        <p:nvSpPr>
+          <p:cNvPr id="3" name="TextBox 2">
+            <a:extLst>
+              <a:ext uri="{FF2B5EF4-FFF2-40B4-BE49-F238E27FC236}">
+                <a16:creationId xmlns:a16="http://schemas.microsoft.com/office/drawing/2014/main" id="{79117D24-60DE-4F20-A2A9-1EEB1941BC5D}"/>
+              </a:ext>
+            </a:extLst>
+          </p:cNvPr>
+          <p:cNvSpPr txBox="1"/>
+          <p:nvPr/>
+        </p:nvSpPr>
+        <p:spPr>
+          <a:xfrm>
+            <a:off x="9134574" y="1762812"/>
+            <a:ext cx="2642648" cy="3416320"/>
+          </a:xfrm>
+          <a:prstGeom prst="rect">
+            <a:avLst/>
+          </a:prstGeom>
+          <a:noFill/>
+        </p:spPr>
+        <p:txBody>
+          <a:bodyPr wrap="square" rtlCol="0">
+            <a:spAutoFit/>
+          </a:bodyPr>
+          <a:lstStyle/>
+          <a:p>
+            <a:pPr marL="285750" indent="-285750">
+              <a:buFont typeface="Arial" panose="020B0604020202020204" pitchFamily="34" charset="0"/>
+              <a:buChar char="•"/>
+            </a:pPr>
+            <a:r>
+              <a:rPr lang="en-US" dirty="0"/>
+              <a:t>CA, TX, FL, VA and PA have the highest amount of registered guns.   </a:t>
+            </a:r>
+          </a:p>
+          <a:p>
+            <a:pPr marL="285750" indent="-285750">
+              <a:buFont typeface="Arial" panose="020B0604020202020204" pitchFamily="34" charset="0"/>
+              <a:buChar char="•"/>
+            </a:pPr>
+            <a:endParaRPr lang="en-US" dirty="0"/>
+          </a:p>
+          <a:p>
+            <a:pPr marL="285750" indent="-285750">
+              <a:buFont typeface="Arial" panose="020B0604020202020204" pitchFamily="34" charset="0"/>
+              <a:buChar char="•"/>
+            </a:pPr>
+            <a:r>
+              <a:rPr lang="en-US" dirty="0"/>
+              <a:t>If the amount of guns in state impacts the number of violent related activities, we expect these five states to be the highest in gun violence as well.  </a:t>
+            </a:r>
+          </a:p>
+        </p:txBody>
+      </p:sp>
     </p:spTree>
     <p:extLst>
       <p:ext uri="{BB962C8B-B14F-4D97-AF65-F5344CB8AC3E}">
@@ -5135,199 +5227,372 @@
           <a:chExt cx="0" cy="0"/>
         </a:xfrm>
       </p:grpSpPr>
-      <p:sp>
-        <p:nvSpPr>
-          <p:cNvPr id="2" name="Title 1">
-            <a:extLst>
-              <a:ext uri="{FF2B5EF4-FFF2-40B4-BE49-F238E27FC236}">
-                <a16:creationId xmlns:a16="http://schemas.microsoft.com/office/drawing/2014/main" id="{98E30BBE-4467-4210-BFD2-5992E81A9F4D}"/>
-              </a:ext>
-            </a:extLst>
-          </p:cNvPr>
-          <p:cNvSpPr>
-            <a:spLocks noGrp="1"/>
-          </p:cNvSpPr>
-          <p:nvPr>
-            <p:ph type="title"/>
-          </p:nvPr>
-        </p:nvSpPr>
-        <p:spPr/>
-        <p:txBody>
-          <a:bodyPr/>
+      <p:pic>
+        <p:nvPicPr>
+          <p:cNvPr id="3" name="Picture 2" descr="A screenshot of a map&#10;&#10;Description automatically generated">
+            <a:extLst>
+              <a:ext uri="{FF2B5EF4-FFF2-40B4-BE49-F238E27FC236}">
+                <a16:creationId xmlns:a16="http://schemas.microsoft.com/office/drawing/2014/main" id="{5D2207BC-7ED3-4851-88DE-42F0873775DC}"/>
+              </a:ext>
+            </a:extLst>
+          </p:cNvPr>
+          <p:cNvPicPr>
+            <a:picLocks noChangeAspect="1"/>
+          </p:cNvPicPr>
+          <p:nvPr/>
+        </p:nvPicPr>
+        <p:blipFill>
+          <a:blip r:embed="rId2">
+            <a:extLst>
+              <a:ext uri="{28A0092B-C50C-407E-A947-70E740481C1C}">
+                <a14:useLocalDpi xmlns:a14="http://schemas.microsoft.com/office/drawing/2010/main" val="0"/>
+              </a:ext>
+            </a:extLst>
+          </a:blip>
+          <a:stretch>
+            <a:fillRect/>
+          </a:stretch>
+        </p:blipFill>
+        <p:spPr>
+          <a:xfrm>
+            <a:off x="0" y="381000"/>
+            <a:ext cx="7956223" cy="5953812"/>
+          </a:xfrm>
+          <a:prstGeom prst="rect">
+            <a:avLst/>
+          </a:prstGeom>
+        </p:spPr>
+      </p:pic>
+      <p:sp>
+        <p:nvSpPr>
+          <p:cNvPr id="5" name="TextBox 4">
+            <a:extLst>
+              <a:ext uri="{FF2B5EF4-FFF2-40B4-BE49-F238E27FC236}">
+                <a16:creationId xmlns:a16="http://schemas.microsoft.com/office/drawing/2014/main" id="{84AD28E6-8AB7-404F-A771-EC7D7B4FD11C}"/>
+              </a:ext>
+            </a:extLst>
+          </p:cNvPr>
+          <p:cNvSpPr txBox="1"/>
+          <p:nvPr/>
+        </p:nvSpPr>
+        <p:spPr>
+          <a:xfrm>
+            <a:off x="8128932" y="763398"/>
+            <a:ext cx="3556932" cy="3139321"/>
+          </a:xfrm>
+          <a:prstGeom prst="rect">
+            <a:avLst/>
+          </a:prstGeom>
+          <a:noFill/>
+        </p:spPr>
+        <p:txBody>
+          <a:bodyPr wrap="square" rtlCol="0">
+            <a:spAutoFit/>
+          </a:bodyPr>
           <a:lstStyle/>
           <a:p>
-            <a:r>
-              <a:rPr lang="en-US" dirty="0"/>
-              <a:t>Conclusions</a:t>
-            </a:r>
-          </a:p>
-        </p:txBody>
-      </p:sp>
-      <p:sp>
-        <p:nvSpPr>
-          <p:cNvPr id="3" name="Content Placeholder 2">
-            <a:extLst>
-              <a:ext uri="{FF2B5EF4-FFF2-40B4-BE49-F238E27FC236}">
-                <a16:creationId xmlns:a16="http://schemas.microsoft.com/office/drawing/2014/main" id="{80CA09D3-8A20-4729-869D-072B79EB3205}"/>
-              </a:ext>
-            </a:extLst>
-          </p:cNvPr>
-          <p:cNvSpPr>
-            <a:spLocks noGrp="1"/>
-          </p:cNvSpPr>
-          <p:nvPr>
-            <p:ph idx="1"/>
-          </p:nvPr>
-        </p:nvSpPr>
-        <p:spPr>
-          <a:xfrm>
-            <a:off x="1168720" y="2108201"/>
-            <a:ext cx="10058400" cy="3760891"/>
-          </a:xfrm>
-        </p:spPr>
-        <p:txBody>
-          <a:bodyPr/>
-          <a:lstStyle/>
-          <a:p>
-            <a:pPr>
-              <a:buClr>
-                <a:schemeClr val="tx1"/>
-              </a:buClr>
+            <a:pPr marL="285750" indent="-285750">
               <a:buFont typeface="Arial" panose="020B0604020202020204" pitchFamily="34" charset="0"/>
               <a:buChar char="•"/>
             </a:pPr>
             <a:r>
               <a:rPr lang="en-US" dirty="0"/>
-              <a:t> Occurrences of gun violence have increased every year from 2014 to 2017</a:t>
-            </a:r>
-          </a:p>
-          <a:p>
-            <a:pPr lvl="1">
-              <a:buClr>
-                <a:schemeClr val="tx1"/>
-              </a:buClr>
+              <a:t>IL is far and away the most violent state</a:t>
+            </a:r>
+          </a:p>
+          <a:p>
+            <a:pPr marL="285750" indent="-285750">
               <a:buFont typeface="Arial" panose="020B0604020202020204" pitchFamily="34" charset="0"/>
               <a:buChar char="•"/>
             </a:pPr>
             <a:r>
               <a:rPr lang="en-US" dirty="0"/>
-              <a:t>July has shown to be most dangerous month for gun violence</a:t>
-            </a:r>
-          </a:p>
-          <a:p>
-            <a:pPr lvl="1">
-              <a:buClr>
-                <a:schemeClr val="tx1"/>
-              </a:buClr>
+              <a:t>TX, CA, FL do show a higher number of gun related crimes, however VA is lower than numerous states and PA is nearly even with other states.</a:t>
+            </a:r>
+          </a:p>
+          <a:p>
+            <a:pPr marL="285750" indent="-285750">
               <a:buFont typeface="Arial" panose="020B0604020202020204" pitchFamily="34" charset="0"/>
               <a:buChar char="•"/>
             </a:pPr>
             <a:r>
               <a:rPr lang="en-US" dirty="0"/>
-              <a:t>The last year in our data set, 2017, had the highest volume of people injured and killed</a:t>
-            </a:r>
-          </a:p>
-          <a:p>
-            <a:pPr>
-              <a:buClr>
-                <a:schemeClr val="tx1"/>
-              </a:buClr>
+              <a:t>The number of guns may impact the amount of crime; however these states are also some of the most populated.</a:t>
+            </a:r>
+          </a:p>
+        </p:txBody>
+      </p:sp>
+    </p:spTree>
+    <p:extLst>
+      <p:ext uri="{BB962C8B-B14F-4D97-AF65-F5344CB8AC3E}">
+        <p14:creationId xmlns:p14="http://schemas.microsoft.com/office/powerpoint/2010/main" val="3163372128"/>
+      </p:ext>
+    </p:extLst>
+  </p:cSld>
+  <p:clrMapOvr>
+    <a:masterClrMapping/>
+  </p:clrMapOvr>
+</p:sld>
+</file>
+
+<file path=ppt/slides/slide18.xml><?xml version="1.0" encoding="utf-8"?>
+<p:sld xmlns:a="http://schemas.openxmlformats.org/drawingml/2006/main" xmlns:r="http://schemas.openxmlformats.org/officeDocument/2006/relationships" xmlns:p="http://schemas.openxmlformats.org/presentationml/2006/main">
+  <p:cSld>
+    <p:spTree>
+      <p:nvGrpSpPr>
+        <p:cNvPr id="1" name=""/>
+        <p:cNvGrpSpPr/>
+        <p:nvPr/>
+      </p:nvGrpSpPr>
+      <p:grpSpPr>
+        <a:xfrm>
+          <a:off x="0" y="0"/>
+          <a:ext cx="0" cy="0"/>
+          <a:chOff x="0" y="0"/>
+          <a:chExt cx="0" cy="0"/>
+        </a:xfrm>
+      </p:grpSpPr>
+      <p:pic>
+        <p:nvPicPr>
+          <p:cNvPr id="3" name="Picture 2" descr="A picture containing text&#10;&#10;Description automatically generated">
+            <a:extLst>
+              <a:ext uri="{FF2B5EF4-FFF2-40B4-BE49-F238E27FC236}">
+                <a16:creationId xmlns:a16="http://schemas.microsoft.com/office/drawing/2014/main" id="{FE034D9A-E6FB-4A9C-B399-04032F5A803C}"/>
+              </a:ext>
+            </a:extLst>
+          </p:cNvPr>
+          <p:cNvPicPr>
+            <a:picLocks noChangeAspect="1"/>
+          </p:cNvPicPr>
+          <p:nvPr/>
+        </p:nvPicPr>
+        <p:blipFill>
+          <a:blip r:embed="rId2">
+            <a:extLst>
+              <a:ext uri="{28A0092B-C50C-407E-A947-70E740481C1C}">
+                <a14:useLocalDpi xmlns:a14="http://schemas.microsoft.com/office/drawing/2010/main" val="0"/>
+              </a:ext>
+            </a:extLst>
+          </a:blip>
+          <a:stretch>
+            <a:fillRect/>
+          </a:stretch>
+        </p:blipFill>
+        <p:spPr>
+          <a:xfrm>
+            <a:off x="-1" y="-1"/>
+            <a:ext cx="8974317" cy="6410227"/>
+          </a:xfrm>
+          <a:prstGeom prst="rect">
+            <a:avLst/>
+          </a:prstGeom>
+        </p:spPr>
+      </p:pic>
+      <p:sp>
+        <p:nvSpPr>
+          <p:cNvPr id="4" name="TextBox 3">
+            <a:extLst>
+              <a:ext uri="{FF2B5EF4-FFF2-40B4-BE49-F238E27FC236}">
+                <a16:creationId xmlns:a16="http://schemas.microsoft.com/office/drawing/2014/main" id="{57ACB776-D760-4B06-BB74-9ACBEACAE400}"/>
+              </a:ext>
+            </a:extLst>
+          </p:cNvPr>
+          <p:cNvSpPr txBox="1"/>
+          <p:nvPr/>
+        </p:nvSpPr>
+        <p:spPr>
+          <a:xfrm>
+            <a:off x="8097625" y="1828800"/>
+            <a:ext cx="3733014" cy="2862322"/>
+          </a:xfrm>
+          <a:prstGeom prst="rect">
+            <a:avLst/>
+          </a:prstGeom>
+          <a:noFill/>
+        </p:spPr>
+        <p:txBody>
+          <a:bodyPr wrap="square" rtlCol="0">
+            <a:spAutoFit/>
+          </a:bodyPr>
+          <a:lstStyle/>
+          <a:p>
+            <a:pPr marL="285750" indent="-285750">
               <a:buFont typeface="Arial" panose="020B0604020202020204" pitchFamily="34" charset="0"/>
               <a:buChar char="•"/>
             </a:pPr>
             <a:r>
               <a:rPr lang="en-US" dirty="0"/>
-              <a:t> Overall, larger States and Cities with larger population have greater levels of Gun Violence.</a:t>
-            </a:r>
-          </a:p>
-          <a:p>
-            <a:pPr lvl="1">
-              <a:buClr>
-                <a:schemeClr val="tx1"/>
-              </a:buClr>
+              <a:t>WY far and away has the most guns per capita.   </a:t>
+            </a:r>
+          </a:p>
+          <a:p>
+            <a:pPr marL="285750" indent="-285750">
               <a:buFont typeface="Arial" panose="020B0604020202020204" pitchFamily="34" charset="0"/>
               <a:buChar char="•"/>
             </a:pPr>
             <a:r>
               <a:rPr lang="en-US" dirty="0"/>
-              <a:t>However, if adjusted per capita, we get a better picture of States and Cities with highest Gun Violence.</a:t>
-            </a:r>
-          </a:p>
-          <a:p>
-            <a:pPr lvl="1">
-              <a:buClr>
-                <a:schemeClr val="tx1"/>
-              </a:buClr>
+              <a:t>DC, NH, NM, and VA round out the top 5.</a:t>
+            </a:r>
+          </a:p>
+          <a:p>
+            <a:pPr marL="285750" indent="-285750">
               <a:buFont typeface="Arial" panose="020B0604020202020204" pitchFamily="34" charset="0"/>
               <a:buChar char="•"/>
             </a:pPr>
-            <a:r>
-              <a:rPr lang="en-US" dirty="0"/>
-              <a:t>Cities with most Gun Violence have little to no correlation with Poverty Levels of those Cities. </a:t>
-            </a:r>
-          </a:p>
-          <a:p>
-            <a:pPr>
-              <a:buClr>
-                <a:schemeClr val="tx1"/>
-              </a:buClr>
+            <a:endParaRPr lang="en-US" dirty="0"/>
+          </a:p>
+          <a:p>
+            <a:pPr marL="285750" indent="-285750">
               <a:buFont typeface="Arial" panose="020B0604020202020204" pitchFamily="34" charset="0"/>
               <a:buChar char="•"/>
             </a:pPr>
             <a:r>
               <a:rPr lang="en-US" dirty="0"/>
-              <a:t> Number of laws per state does not seem to correlate with incidents per state</a:t>
-            </a:r>
-          </a:p>
-          <a:p>
-            <a:pPr lvl="1">
-              <a:buClr>
-                <a:schemeClr val="tx1"/>
-              </a:buClr>
+              <a:t>If the amount of guns per person impacts the number of violent related activities, we expect these five states to be the highest in gun violence as well.  </a:t>
+            </a:r>
+          </a:p>
+        </p:txBody>
+      </p:sp>
+    </p:spTree>
+    <p:extLst>
+      <p:ext uri="{BB962C8B-B14F-4D97-AF65-F5344CB8AC3E}">
+        <p14:creationId xmlns:p14="http://schemas.microsoft.com/office/powerpoint/2010/main" val="548560940"/>
+      </p:ext>
+    </p:extLst>
+  </p:cSld>
+  <p:clrMapOvr>
+    <a:masterClrMapping/>
+  </p:clrMapOvr>
+</p:sld>
+</file>
+
+<file path=ppt/slides/slide19.xml><?xml version="1.0" encoding="utf-8"?>
+<p:sld xmlns:a="http://schemas.openxmlformats.org/drawingml/2006/main" xmlns:r="http://schemas.openxmlformats.org/officeDocument/2006/relationships" xmlns:p="http://schemas.openxmlformats.org/presentationml/2006/main">
+  <p:cSld>
+    <p:spTree>
+      <p:nvGrpSpPr>
+        <p:cNvPr id="1" name=""/>
+        <p:cNvGrpSpPr/>
+        <p:nvPr/>
+      </p:nvGrpSpPr>
+      <p:grpSpPr>
+        <a:xfrm>
+          <a:off x="0" y="0"/>
+          <a:ext cx="0" cy="0"/>
+          <a:chOff x="0" y="0"/>
+          <a:chExt cx="0" cy="0"/>
+        </a:xfrm>
+      </p:grpSpPr>
+      <p:pic>
+        <p:nvPicPr>
+          <p:cNvPr id="3" name="Picture 2" descr="A screenshot of a social media post&#10;&#10;Description automatically generated">
+            <a:extLst>
+              <a:ext uri="{FF2B5EF4-FFF2-40B4-BE49-F238E27FC236}">
+                <a16:creationId xmlns:a16="http://schemas.microsoft.com/office/drawing/2014/main" id="{417F18AC-EA15-4204-8682-01304B4AB63E}"/>
+              </a:ext>
+            </a:extLst>
+          </p:cNvPr>
+          <p:cNvPicPr>
+            <a:picLocks noChangeAspect="1"/>
+          </p:cNvPicPr>
+          <p:nvPr/>
+        </p:nvPicPr>
+        <p:blipFill>
+          <a:blip r:embed="rId2">
+            <a:extLst>
+              <a:ext uri="{28A0092B-C50C-407E-A947-70E740481C1C}">
+                <a14:useLocalDpi xmlns:a14="http://schemas.microsoft.com/office/drawing/2010/main" val="0"/>
+              </a:ext>
+            </a:extLst>
+          </a:blip>
+          <a:stretch>
+            <a:fillRect/>
+          </a:stretch>
+        </p:blipFill>
+        <p:spPr>
+          <a:xfrm>
+            <a:off x="0" y="-1"/>
+            <a:ext cx="8220173" cy="6344239"/>
+          </a:xfrm>
+          <a:prstGeom prst="rect">
+            <a:avLst/>
+          </a:prstGeom>
+        </p:spPr>
+      </p:pic>
+      <p:sp>
+        <p:nvSpPr>
+          <p:cNvPr id="4" name="TextBox 3">
+            <a:extLst>
+              <a:ext uri="{FF2B5EF4-FFF2-40B4-BE49-F238E27FC236}">
+                <a16:creationId xmlns:a16="http://schemas.microsoft.com/office/drawing/2014/main" id="{CE79CBB0-B9C5-4BBB-A559-C2CEB4012EB0}"/>
+              </a:ext>
+            </a:extLst>
+          </p:cNvPr>
+          <p:cNvSpPr txBox="1"/>
+          <p:nvPr/>
+        </p:nvSpPr>
+        <p:spPr>
+          <a:xfrm>
+            <a:off x="8361575" y="669303"/>
+            <a:ext cx="3327662" cy="3970318"/>
+          </a:xfrm>
+          <a:prstGeom prst="rect">
+            <a:avLst/>
+          </a:prstGeom>
+          <a:noFill/>
+        </p:spPr>
+        <p:txBody>
+          <a:bodyPr wrap="square" rtlCol="0">
+            <a:spAutoFit/>
+          </a:bodyPr>
+          <a:lstStyle/>
+          <a:p>
+            <a:pPr marL="285750" indent="-285750">
               <a:buFont typeface="Arial" panose="020B0604020202020204" pitchFamily="34" charset="0"/>
               <a:buChar char="•"/>
             </a:pPr>
             <a:r>
               <a:rPr lang="en-US" dirty="0"/>
-              <a:t>Further research could look at specific laws, or possible confounding variables</a:t>
-            </a:r>
-          </a:p>
-          <a:p>
-            <a:pPr lvl="1">
-              <a:buClr>
-                <a:schemeClr val="tx1"/>
-              </a:buClr>
+              <a:t>WY far and away has the most guns per capita but has very little gun related crime.   </a:t>
+            </a:r>
+          </a:p>
+          <a:p>
+            <a:pPr marL="285750" indent="-285750">
               <a:buFont typeface="Arial" panose="020B0604020202020204" pitchFamily="34" charset="0"/>
               <a:buChar char="•"/>
             </a:pPr>
-            <a:endParaRPr lang="en-US" dirty="0"/>
-          </a:p>
-          <a:p>
-            <a:pPr>
-              <a:buClr>
-                <a:schemeClr val="tx1"/>
-              </a:buClr>
+            <a:r>
+              <a:rPr lang="en-US" dirty="0"/>
+              <a:t>DC has the most crime on a per capita basis, however given the fact it isn’t a state may impact the numbers.</a:t>
+            </a:r>
+          </a:p>
+          <a:p>
+            <a:pPr marL="285750" indent="-285750">
               <a:buFont typeface="Arial" panose="020B0604020202020204" pitchFamily="34" charset="0"/>
               <a:buChar char="•"/>
             </a:pPr>
-            <a:endParaRPr lang="en-US" dirty="0"/>
-          </a:p>
-          <a:p>
-            <a:pPr>
-              <a:buClr>
-                <a:schemeClr val="tx1"/>
-              </a:buClr>
+            <a:r>
+              <a:rPr lang="en-US" dirty="0"/>
+              <a:t>NH, NM, and VA are all significantly lower than various states.</a:t>
+            </a:r>
+          </a:p>
+          <a:p>
+            <a:pPr marL="285750" indent="-285750">
               <a:buFont typeface="Arial" panose="020B0604020202020204" pitchFamily="34" charset="0"/>
               <a:buChar char="•"/>
             </a:pPr>
-            <a:endParaRPr lang="en-US" dirty="0"/>
+            <a:r>
+              <a:rPr lang="en-US" dirty="0"/>
+              <a:t>There doesn’t appear to be a conclusive correlation that the number of guns per person is leading to gun related crimes.  </a:t>
+            </a:r>
           </a:p>
         </p:txBody>
       </p:sp>
     </p:spTree>
     <p:extLst>
       <p:ext uri="{BB962C8B-B14F-4D97-AF65-F5344CB8AC3E}">
-        <p14:creationId xmlns:p14="http://schemas.microsoft.com/office/powerpoint/2010/main" val="136860985"/>
+        <p14:creationId xmlns:p14="http://schemas.microsoft.com/office/powerpoint/2010/main" val="2930311031"/>
       </p:ext>
     </p:extLst>
   </p:cSld>
@@ -5484,6 +5749,729 @@
     <p:extLst>
       <p:ext uri="{BB962C8B-B14F-4D97-AF65-F5344CB8AC3E}">
         <p14:creationId xmlns:p14="http://schemas.microsoft.com/office/powerpoint/2010/main" val="1280027741"/>
+      </p:ext>
+    </p:extLst>
+  </p:cSld>
+  <p:clrMapOvr>
+    <a:masterClrMapping/>
+  </p:clrMapOvr>
+</p:sld>
+</file>
+
+<file path=ppt/slides/slide20.xml><?xml version="1.0" encoding="utf-8"?>
+<p:sld xmlns:a="http://schemas.openxmlformats.org/drawingml/2006/main" xmlns:r="http://schemas.openxmlformats.org/officeDocument/2006/relationships" xmlns:p="http://schemas.openxmlformats.org/presentationml/2006/main">
+  <p:cSld>
+    <p:spTree>
+      <p:nvGrpSpPr>
+        <p:cNvPr id="1" name=""/>
+        <p:cNvGrpSpPr/>
+        <p:nvPr/>
+      </p:nvGrpSpPr>
+      <p:grpSpPr>
+        <a:xfrm>
+          <a:off x="0" y="0"/>
+          <a:ext cx="0" cy="0"/>
+          <a:chOff x="0" y="0"/>
+          <a:chExt cx="0" cy="0"/>
+        </a:xfrm>
+      </p:grpSpPr>
+      <p:pic>
+        <p:nvPicPr>
+          <p:cNvPr id="3" name="Picture 2" descr="A close up of a logo&#10;&#10;Description automatically generated">
+            <a:extLst>
+              <a:ext uri="{FF2B5EF4-FFF2-40B4-BE49-F238E27FC236}">
+                <a16:creationId xmlns:a16="http://schemas.microsoft.com/office/drawing/2014/main" id="{368F2B15-8775-41F0-9046-FA634D642A45}"/>
+              </a:ext>
+            </a:extLst>
+          </p:cNvPr>
+          <p:cNvPicPr>
+            <a:picLocks noChangeAspect="1"/>
+          </p:cNvPicPr>
+          <p:nvPr/>
+        </p:nvPicPr>
+        <p:blipFill>
+          <a:blip r:embed="rId2">
+            <a:extLst>
+              <a:ext uri="{28A0092B-C50C-407E-A947-70E740481C1C}">
+                <a14:useLocalDpi xmlns:a14="http://schemas.microsoft.com/office/drawing/2010/main" val="0"/>
+              </a:ext>
+            </a:extLst>
+          </a:blip>
+          <a:stretch>
+            <a:fillRect/>
+          </a:stretch>
+        </p:blipFill>
+        <p:spPr>
+          <a:xfrm>
+            <a:off x="0" y="-25168"/>
+            <a:ext cx="8947922" cy="6391373"/>
+          </a:xfrm>
+          <a:prstGeom prst="rect">
+            <a:avLst/>
+          </a:prstGeom>
+        </p:spPr>
+      </p:pic>
+      <p:sp>
+        <p:nvSpPr>
+          <p:cNvPr id="4" name="TextBox 3">
+            <a:extLst>
+              <a:ext uri="{FF2B5EF4-FFF2-40B4-BE49-F238E27FC236}">
+                <a16:creationId xmlns:a16="http://schemas.microsoft.com/office/drawing/2014/main" id="{178094FF-1045-4C78-9C62-AD75CA66F535}"/>
+              </a:ext>
+            </a:extLst>
+          </p:cNvPr>
+          <p:cNvSpPr txBox="1"/>
+          <p:nvPr/>
+        </p:nvSpPr>
+        <p:spPr>
+          <a:xfrm>
+            <a:off x="8125905" y="1904214"/>
+            <a:ext cx="3827283" cy="3693319"/>
+          </a:xfrm>
+          <a:prstGeom prst="rect">
+            <a:avLst/>
+          </a:prstGeom>
+          <a:noFill/>
+        </p:spPr>
+        <p:txBody>
+          <a:bodyPr wrap="square" rtlCol="0">
+            <a:spAutoFit/>
+          </a:bodyPr>
+          <a:lstStyle/>
+          <a:p>
+            <a:pPr marL="285750" indent="-285750">
+              <a:buFont typeface="Arial" panose="020B0604020202020204" pitchFamily="34" charset="0"/>
+              <a:buChar char="•"/>
+            </a:pPr>
+            <a:r>
+              <a:rPr lang="en-US" dirty="0"/>
+              <a:t>Do states that favor the gun industry have a higher amount of gun related crime?</a:t>
+            </a:r>
+          </a:p>
+          <a:p>
+            <a:pPr marL="285750" indent="-285750">
+              <a:buFont typeface="Arial" panose="020B0604020202020204" pitchFamily="34" charset="0"/>
+              <a:buChar char="•"/>
+            </a:pPr>
+            <a:r>
+              <a:rPr lang="en-US" b="1" dirty="0"/>
+              <a:t>Rankings By:</a:t>
+            </a:r>
+          </a:p>
+          <a:p>
+            <a:pPr marL="742950" lvl="1" indent="-285750">
+              <a:buFont typeface="Arial" panose="020B0604020202020204" pitchFamily="34" charset="0"/>
+              <a:buChar char="•"/>
+            </a:pPr>
+            <a:r>
+              <a:rPr lang="en-US" dirty="0"/>
+              <a:t>Gun jobs</a:t>
+            </a:r>
+          </a:p>
+          <a:p>
+            <a:pPr marL="742950" lvl="1" indent="-285750">
+              <a:buFont typeface="Arial" panose="020B0604020202020204" pitchFamily="34" charset="0"/>
+              <a:buChar char="•"/>
+            </a:pPr>
+            <a:r>
+              <a:rPr lang="en-US" dirty="0"/>
+              <a:t>State friendliness to manufacturers</a:t>
+            </a:r>
+          </a:p>
+          <a:p>
+            <a:pPr marL="742950" lvl="1" indent="-285750">
+              <a:buFont typeface="Arial" panose="020B0604020202020204" pitchFamily="34" charset="0"/>
+              <a:buChar char="•"/>
+            </a:pPr>
+            <a:r>
+              <a:rPr lang="en-US" dirty="0"/>
+              <a:t>States’ gun cultures</a:t>
+            </a:r>
+          </a:p>
+          <a:p>
+            <a:pPr marL="742950" lvl="1" indent="-285750">
+              <a:buFont typeface="Arial" panose="020B0604020202020204" pitchFamily="34" charset="0"/>
+              <a:buChar char="•"/>
+            </a:pPr>
+            <a:r>
+              <a:rPr lang="en-US" dirty="0"/>
+              <a:t>Other factors</a:t>
+            </a:r>
+          </a:p>
+          <a:p>
+            <a:pPr marL="1200150" lvl="2" indent="-285750">
+              <a:buFont typeface="Arial" panose="020B0604020202020204" pitchFamily="34" charset="0"/>
+              <a:buChar char="•"/>
+            </a:pPr>
+            <a:r>
+              <a:rPr lang="en-US" dirty="0"/>
+              <a:t>State mandated breaks</a:t>
+            </a:r>
+          </a:p>
+          <a:p>
+            <a:pPr marL="1200150" lvl="2" indent="-285750">
+              <a:buFont typeface="Arial" panose="020B0604020202020204" pitchFamily="34" charset="0"/>
+              <a:buChar char="•"/>
+            </a:pPr>
+            <a:r>
+              <a:rPr lang="en-US" dirty="0"/>
+              <a:t>Right-to-work states</a:t>
+            </a:r>
+          </a:p>
+          <a:p>
+            <a:pPr marL="1200150" lvl="2" indent="-285750">
+              <a:buFont typeface="Arial" panose="020B0604020202020204" pitchFamily="34" charset="0"/>
+              <a:buChar char="•"/>
+            </a:pPr>
+            <a:r>
+              <a:rPr lang="en-US" dirty="0"/>
+              <a:t>Average wages</a:t>
+            </a:r>
+          </a:p>
+          <a:p>
+            <a:endParaRPr lang="en-US" dirty="0"/>
+          </a:p>
+        </p:txBody>
+      </p:sp>
+    </p:spTree>
+    <p:extLst>
+      <p:ext uri="{BB962C8B-B14F-4D97-AF65-F5344CB8AC3E}">
+        <p14:creationId xmlns:p14="http://schemas.microsoft.com/office/powerpoint/2010/main" val="3362731025"/>
+      </p:ext>
+    </p:extLst>
+  </p:cSld>
+  <p:clrMapOvr>
+    <a:masterClrMapping/>
+  </p:clrMapOvr>
+</p:sld>
+</file>
+
+<file path=ppt/slides/slide21.xml><?xml version="1.0" encoding="utf-8"?>
+<p:sld xmlns:a="http://schemas.openxmlformats.org/drawingml/2006/main" xmlns:r="http://schemas.openxmlformats.org/officeDocument/2006/relationships" xmlns:p="http://schemas.openxmlformats.org/presentationml/2006/main">
+  <p:cSld>
+    <p:spTree>
+      <p:nvGrpSpPr>
+        <p:cNvPr id="1" name=""/>
+        <p:cNvGrpSpPr/>
+        <p:nvPr/>
+      </p:nvGrpSpPr>
+      <p:grpSpPr>
+        <a:xfrm>
+          <a:off x="0" y="0"/>
+          <a:ext cx="0" cy="0"/>
+          <a:chOff x="0" y="0"/>
+          <a:chExt cx="0" cy="0"/>
+        </a:xfrm>
+      </p:grpSpPr>
+      <p:pic>
+        <p:nvPicPr>
+          <p:cNvPr id="3" name="Picture 2" descr="A screenshot of a social media post&#10;&#10;Description automatically generated">
+            <a:extLst>
+              <a:ext uri="{FF2B5EF4-FFF2-40B4-BE49-F238E27FC236}">
+                <a16:creationId xmlns:a16="http://schemas.microsoft.com/office/drawing/2014/main" id="{B6D04DD2-C1ED-47DF-A853-0EFCE1070F69}"/>
+              </a:ext>
+            </a:extLst>
+          </p:cNvPr>
+          <p:cNvPicPr>
+            <a:picLocks noChangeAspect="1"/>
+          </p:cNvPicPr>
+          <p:nvPr/>
+        </p:nvPicPr>
+        <p:blipFill>
+          <a:blip r:embed="rId2">
+            <a:extLst>
+              <a:ext uri="{28A0092B-C50C-407E-A947-70E740481C1C}">
+                <a14:useLocalDpi xmlns:a14="http://schemas.microsoft.com/office/drawing/2010/main" val="0"/>
+              </a:ext>
+            </a:extLst>
+          </a:blip>
+          <a:stretch>
+            <a:fillRect/>
+          </a:stretch>
+        </p:blipFill>
+        <p:spPr>
+          <a:xfrm>
+            <a:off x="168112" y="0"/>
+            <a:ext cx="8344292" cy="6315959"/>
+          </a:xfrm>
+          <a:prstGeom prst="rect">
+            <a:avLst/>
+          </a:prstGeom>
+        </p:spPr>
+      </p:pic>
+      <p:sp>
+        <p:nvSpPr>
+          <p:cNvPr id="4" name="TextBox 3">
+            <a:extLst>
+              <a:ext uri="{FF2B5EF4-FFF2-40B4-BE49-F238E27FC236}">
+                <a16:creationId xmlns:a16="http://schemas.microsoft.com/office/drawing/2014/main" id="{5558E6DE-ABE3-460F-B736-8DE180F4155C}"/>
+              </a:ext>
+            </a:extLst>
+          </p:cNvPr>
+          <p:cNvSpPr txBox="1"/>
+          <p:nvPr/>
+        </p:nvSpPr>
+        <p:spPr>
+          <a:xfrm>
+            <a:off x="8512404" y="904973"/>
+            <a:ext cx="2950590" cy="1477328"/>
+          </a:xfrm>
+          <a:prstGeom prst="rect">
+            <a:avLst/>
+          </a:prstGeom>
+          <a:noFill/>
+        </p:spPr>
+        <p:txBody>
+          <a:bodyPr wrap="square" rtlCol="0">
+            <a:spAutoFit/>
+          </a:bodyPr>
+          <a:lstStyle/>
+          <a:p>
+            <a:pPr marL="285750" indent="-285750">
+              <a:buFont typeface="Arial" panose="020B0604020202020204" pitchFamily="34" charset="0"/>
+              <a:buChar char="•"/>
+            </a:pPr>
+            <a:r>
+              <a:rPr lang="en-US" dirty="0"/>
+              <a:t>Whether or not a state is more favorable to the gun industry has no impact on the amount of gun related crimes in that state.  </a:t>
+            </a:r>
+          </a:p>
+        </p:txBody>
+      </p:sp>
+    </p:spTree>
+    <p:extLst>
+      <p:ext uri="{BB962C8B-B14F-4D97-AF65-F5344CB8AC3E}">
+        <p14:creationId xmlns:p14="http://schemas.microsoft.com/office/powerpoint/2010/main" val="334052294"/>
+      </p:ext>
+    </p:extLst>
+  </p:cSld>
+  <p:clrMapOvr>
+    <a:masterClrMapping/>
+  </p:clrMapOvr>
+</p:sld>
+</file>
+
+<file path=ppt/slides/slide22.xml><?xml version="1.0" encoding="utf-8"?>
+<p:sld xmlns:a="http://schemas.openxmlformats.org/drawingml/2006/main" xmlns:r="http://schemas.openxmlformats.org/officeDocument/2006/relationships" xmlns:p="http://schemas.openxmlformats.org/presentationml/2006/main">
+  <p:cSld>
+    <p:spTree>
+      <p:nvGrpSpPr>
+        <p:cNvPr id="1" name=""/>
+        <p:cNvGrpSpPr/>
+        <p:nvPr/>
+      </p:nvGrpSpPr>
+      <p:grpSpPr>
+        <a:xfrm>
+          <a:off x="0" y="0"/>
+          <a:ext cx="0" cy="0"/>
+          <a:chOff x="0" y="0"/>
+          <a:chExt cx="0" cy="0"/>
+        </a:xfrm>
+      </p:grpSpPr>
+      <p:sp>
+        <p:nvSpPr>
+          <p:cNvPr id="2" name="Title 1">
+            <a:extLst>
+              <a:ext uri="{FF2B5EF4-FFF2-40B4-BE49-F238E27FC236}">
+                <a16:creationId xmlns:a16="http://schemas.microsoft.com/office/drawing/2014/main" id="{98E30BBE-4467-4210-BFD2-5992E81A9F4D}"/>
+              </a:ext>
+            </a:extLst>
+          </p:cNvPr>
+          <p:cNvSpPr>
+            <a:spLocks noGrp="1"/>
+          </p:cNvSpPr>
+          <p:nvPr>
+            <p:ph type="title"/>
+          </p:nvPr>
+        </p:nvSpPr>
+        <p:spPr>
+          <a:xfrm>
+            <a:off x="1097280" y="286603"/>
+            <a:ext cx="10058400" cy="1450757"/>
+          </a:xfrm>
+        </p:spPr>
+        <p:txBody>
+          <a:bodyPr/>
+          <a:lstStyle/>
+          <a:p>
+            <a:r>
+              <a:rPr lang="en-US" dirty="0"/>
+              <a:t>Conclusions</a:t>
+            </a:r>
+          </a:p>
+        </p:txBody>
+      </p:sp>
+      <p:sp>
+        <p:nvSpPr>
+          <p:cNvPr id="3" name="Content Placeholder 2">
+            <a:extLst>
+              <a:ext uri="{FF2B5EF4-FFF2-40B4-BE49-F238E27FC236}">
+                <a16:creationId xmlns:a16="http://schemas.microsoft.com/office/drawing/2014/main" id="{80CA09D3-8A20-4729-869D-072B79EB3205}"/>
+              </a:ext>
+            </a:extLst>
+          </p:cNvPr>
+          <p:cNvSpPr>
+            <a:spLocks noGrp="1"/>
+          </p:cNvSpPr>
+          <p:nvPr>
+            <p:ph idx="1"/>
+          </p:nvPr>
+        </p:nvSpPr>
+        <p:spPr>
+          <a:xfrm>
+            <a:off x="1168719" y="2108201"/>
+            <a:ext cx="10265993" cy="4132343"/>
+          </a:xfrm>
+        </p:spPr>
+        <p:txBody>
+          <a:bodyPr>
+            <a:normAutofit/>
+          </a:bodyPr>
+          <a:lstStyle/>
+          <a:p>
+            <a:pPr>
+              <a:buClr>
+                <a:schemeClr val="tx1"/>
+              </a:buClr>
+              <a:buFont typeface="Arial" panose="020B0604020202020204" pitchFamily="34" charset="0"/>
+              <a:buChar char="•"/>
+            </a:pPr>
+            <a:r>
+              <a:rPr lang="en-US" dirty="0"/>
+              <a:t> Occurrences of gun violence have increased every year from 2014 to 2017</a:t>
+            </a:r>
+          </a:p>
+          <a:p>
+            <a:pPr lvl="1">
+              <a:buClr>
+                <a:schemeClr val="tx1"/>
+              </a:buClr>
+              <a:buFont typeface="Arial" panose="020B0604020202020204" pitchFamily="34" charset="0"/>
+              <a:buChar char="•"/>
+            </a:pPr>
+            <a:r>
+              <a:rPr lang="en-US" dirty="0"/>
+              <a:t>July has shown to be most dangerous month for gun violence</a:t>
+            </a:r>
+          </a:p>
+          <a:p>
+            <a:pPr lvl="1">
+              <a:buClr>
+                <a:schemeClr val="tx1"/>
+              </a:buClr>
+              <a:buFont typeface="Arial" panose="020B0604020202020204" pitchFamily="34" charset="0"/>
+              <a:buChar char="•"/>
+            </a:pPr>
+            <a:r>
+              <a:rPr lang="en-US" dirty="0"/>
+              <a:t>The last year in our data set, 2017, had the highest volume of people injured and killed</a:t>
+            </a:r>
+          </a:p>
+          <a:p>
+            <a:pPr>
+              <a:buClr>
+                <a:schemeClr val="tx1"/>
+              </a:buClr>
+              <a:buFont typeface="Arial" panose="020B0604020202020204" pitchFamily="34" charset="0"/>
+              <a:buChar char="•"/>
+            </a:pPr>
+            <a:r>
+              <a:rPr lang="en-US" dirty="0"/>
+              <a:t> Overall, larger States and Cities with larger population have greater levels of Gun Violence.</a:t>
+            </a:r>
+          </a:p>
+          <a:p>
+            <a:pPr lvl="1">
+              <a:buClr>
+                <a:schemeClr val="tx1"/>
+              </a:buClr>
+              <a:buFont typeface="Arial" panose="020B0604020202020204" pitchFamily="34" charset="0"/>
+              <a:buChar char="•"/>
+            </a:pPr>
+            <a:r>
+              <a:rPr lang="en-US" dirty="0"/>
+              <a:t>However, if adjusted per capita, we get a better picture of States and Cities with highest Gun Violence.</a:t>
+            </a:r>
+          </a:p>
+          <a:p>
+            <a:pPr lvl="1">
+              <a:buClr>
+                <a:schemeClr val="tx1"/>
+              </a:buClr>
+              <a:buFont typeface="Arial" panose="020B0604020202020204" pitchFamily="34" charset="0"/>
+              <a:buChar char="•"/>
+            </a:pPr>
+            <a:r>
+              <a:rPr lang="en-US" dirty="0"/>
+              <a:t>Cities with most Gun Violence have little to no correlation with Poverty Levels of those Cities. </a:t>
+            </a:r>
+          </a:p>
+          <a:p>
+            <a:pPr>
+              <a:buClr>
+                <a:schemeClr val="tx1"/>
+              </a:buClr>
+              <a:buFont typeface="Arial" panose="020B0604020202020204" pitchFamily="34" charset="0"/>
+              <a:buChar char="•"/>
+            </a:pPr>
+            <a:r>
+              <a:rPr lang="en-US" dirty="0"/>
+              <a:t> Number of laws per state does not seem to correlate with incidents per state</a:t>
+            </a:r>
+          </a:p>
+          <a:p>
+            <a:pPr lvl="1">
+              <a:buClr>
+                <a:schemeClr val="tx1"/>
+              </a:buClr>
+              <a:buFont typeface="Arial" panose="020B0604020202020204" pitchFamily="34" charset="0"/>
+              <a:buChar char="•"/>
+            </a:pPr>
+            <a:r>
+              <a:rPr lang="en-US" dirty="0"/>
+              <a:t>Further research could look at specific laws, or possible confounding variables</a:t>
+            </a:r>
+          </a:p>
+          <a:p>
+            <a:pPr lvl="1">
+              <a:buClr>
+                <a:schemeClr val="tx1"/>
+              </a:buClr>
+              <a:buFont typeface="Arial" panose="020B0604020202020204" pitchFamily="34" charset="0"/>
+              <a:buChar char="•"/>
+            </a:pPr>
+            <a:endParaRPr lang="en-US" dirty="0"/>
+          </a:p>
+          <a:p>
+            <a:pPr>
+              <a:buClr>
+                <a:schemeClr val="tx1"/>
+              </a:buClr>
+              <a:buFont typeface="Arial" panose="020B0604020202020204" pitchFamily="34" charset="0"/>
+              <a:buChar char="•"/>
+            </a:pPr>
+            <a:endParaRPr lang="en-US" dirty="0"/>
+          </a:p>
+          <a:p>
+            <a:pPr lvl="1">
+              <a:buClr>
+                <a:schemeClr val="tx1"/>
+              </a:buClr>
+              <a:buFont typeface="Arial" panose="020B0604020202020204" pitchFamily="34" charset="0"/>
+              <a:buChar char="•"/>
+            </a:pPr>
+            <a:endParaRPr lang="en-US" dirty="0"/>
+          </a:p>
+          <a:p>
+            <a:pPr>
+              <a:buClr>
+                <a:schemeClr val="tx1"/>
+              </a:buClr>
+              <a:buFont typeface="Arial" panose="020B0604020202020204" pitchFamily="34" charset="0"/>
+              <a:buChar char="•"/>
+            </a:pPr>
+            <a:endParaRPr lang="en-US" dirty="0"/>
+          </a:p>
+          <a:p>
+            <a:pPr>
+              <a:buClr>
+                <a:schemeClr val="tx1"/>
+              </a:buClr>
+              <a:buFont typeface="Arial" panose="020B0604020202020204" pitchFamily="34" charset="0"/>
+              <a:buChar char="•"/>
+            </a:pPr>
+            <a:endParaRPr lang="en-US" dirty="0"/>
+          </a:p>
+        </p:txBody>
+      </p:sp>
+    </p:spTree>
+    <p:extLst>
+      <p:ext uri="{BB962C8B-B14F-4D97-AF65-F5344CB8AC3E}">
+        <p14:creationId xmlns:p14="http://schemas.microsoft.com/office/powerpoint/2010/main" val="136860985"/>
+      </p:ext>
+    </p:extLst>
+  </p:cSld>
+  <p:clrMapOvr>
+    <a:masterClrMapping/>
+  </p:clrMapOvr>
+</p:sld>
+</file>
+
+<file path=ppt/slides/slide23.xml><?xml version="1.0" encoding="utf-8"?>
+<p:sld xmlns:a="http://schemas.openxmlformats.org/drawingml/2006/main" xmlns:r="http://schemas.openxmlformats.org/officeDocument/2006/relationships" xmlns:p="http://schemas.openxmlformats.org/presentationml/2006/main">
+  <p:cSld>
+    <p:spTree>
+      <p:nvGrpSpPr>
+        <p:cNvPr id="1" name=""/>
+        <p:cNvGrpSpPr/>
+        <p:nvPr/>
+      </p:nvGrpSpPr>
+      <p:grpSpPr>
+        <a:xfrm>
+          <a:off x="0" y="0"/>
+          <a:ext cx="0" cy="0"/>
+          <a:chOff x="0" y="0"/>
+          <a:chExt cx="0" cy="0"/>
+        </a:xfrm>
+      </p:grpSpPr>
+      <p:sp>
+        <p:nvSpPr>
+          <p:cNvPr id="2" name="Title 1">
+            <a:extLst>
+              <a:ext uri="{FF2B5EF4-FFF2-40B4-BE49-F238E27FC236}">
+                <a16:creationId xmlns:a16="http://schemas.microsoft.com/office/drawing/2014/main" id="{98E30BBE-4467-4210-BFD2-5992E81A9F4D}"/>
+              </a:ext>
+            </a:extLst>
+          </p:cNvPr>
+          <p:cNvSpPr>
+            <a:spLocks noGrp="1"/>
+          </p:cNvSpPr>
+          <p:nvPr>
+            <p:ph type="title"/>
+          </p:nvPr>
+        </p:nvSpPr>
+        <p:spPr>
+          <a:xfrm>
+            <a:off x="1097280" y="286603"/>
+            <a:ext cx="10058400" cy="1450757"/>
+          </a:xfrm>
+        </p:spPr>
+        <p:txBody>
+          <a:bodyPr/>
+          <a:lstStyle/>
+          <a:p>
+            <a:r>
+              <a:rPr lang="en-US" dirty="0"/>
+              <a:t>Conclusions</a:t>
+            </a:r>
+          </a:p>
+        </p:txBody>
+      </p:sp>
+      <p:sp>
+        <p:nvSpPr>
+          <p:cNvPr id="3" name="Content Placeholder 2">
+            <a:extLst>
+              <a:ext uri="{FF2B5EF4-FFF2-40B4-BE49-F238E27FC236}">
+                <a16:creationId xmlns:a16="http://schemas.microsoft.com/office/drawing/2014/main" id="{80CA09D3-8A20-4729-869D-072B79EB3205}"/>
+              </a:ext>
+            </a:extLst>
+          </p:cNvPr>
+          <p:cNvSpPr>
+            <a:spLocks noGrp="1"/>
+          </p:cNvSpPr>
+          <p:nvPr>
+            <p:ph idx="1"/>
+          </p:nvPr>
+        </p:nvSpPr>
+        <p:spPr>
+          <a:xfrm>
+            <a:off x="1168719" y="2108201"/>
+            <a:ext cx="10265993" cy="4132343"/>
+          </a:xfrm>
+        </p:spPr>
+        <p:txBody>
+          <a:bodyPr>
+            <a:normAutofit/>
+          </a:bodyPr>
+          <a:lstStyle/>
+          <a:p>
+            <a:pPr>
+              <a:buClr>
+                <a:schemeClr val="tx1"/>
+              </a:buClr>
+              <a:buFont typeface="Arial" panose="020B0604020202020204" pitchFamily="34" charset="0"/>
+              <a:buChar char="•"/>
+            </a:pPr>
+            <a:r>
+              <a:rPr lang="en-US" dirty="0"/>
+              <a:t>Initially the number of guns appears to impact the number of gun related crimes, however when you adjust for population there does not seem to be a correlation between the two. </a:t>
+            </a:r>
+          </a:p>
+          <a:p>
+            <a:pPr lvl="1">
+              <a:buClr>
+                <a:schemeClr val="tx1"/>
+              </a:buClr>
+              <a:buFont typeface="Arial" panose="020B0604020202020204" pitchFamily="34" charset="0"/>
+              <a:buChar char="•"/>
+            </a:pPr>
+            <a:r>
+              <a:rPr lang="en-US" dirty="0"/>
+              <a:t>Further research could examine crimes on a registered gun vs unregistered gun level.  </a:t>
+            </a:r>
+          </a:p>
+          <a:p>
+            <a:pPr lvl="1">
+              <a:buClr>
+                <a:schemeClr val="tx1"/>
+              </a:buClr>
+              <a:buFont typeface="Arial" panose="020B0604020202020204" pitchFamily="34" charset="0"/>
+              <a:buChar char="•"/>
+            </a:pPr>
+            <a:r>
+              <a:rPr lang="en-US" dirty="0"/>
+              <a:t>It may indicate that there many responsible gun owner</a:t>
+            </a:r>
+          </a:p>
+          <a:p>
+            <a:pPr>
+              <a:buClr>
+                <a:schemeClr val="tx1"/>
+              </a:buClr>
+              <a:buFont typeface="Arial" panose="020B0604020202020204" pitchFamily="34" charset="0"/>
+              <a:buChar char="•"/>
+            </a:pPr>
+            <a:r>
+              <a:rPr lang="en-US" dirty="0"/>
+              <a:t>There is no correlation between gun related crimes and whether a state is favorable to the gun industry or not.  </a:t>
+            </a:r>
+          </a:p>
+          <a:p>
+            <a:pPr>
+              <a:buClr>
+                <a:schemeClr val="tx1"/>
+              </a:buClr>
+              <a:buFont typeface="Arial" panose="020B0604020202020204" pitchFamily="34" charset="0"/>
+              <a:buChar char="•"/>
+            </a:pPr>
+            <a:endParaRPr lang="en-US" dirty="0"/>
+          </a:p>
+          <a:p>
+            <a:pPr lvl="1">
+              <a:buClr>
+                <a:schemeClr val="tx1"/>
+              </a:buClr>
+              <a:buFont typeface="Arial" panose="020B0604020202020204" pitchFamily="34" charset="0"/>
+              <a:buChar char="•"/>
+            </a:pPr>
+            <a:endParaRPr lang="en-US" dirty="0"/>
+          </a:p>
+          <a:p>
+            <a:pPr>
+              <a:buClr>
+                <a:schemeClr val="tx1"/>
+              </a:buClr>
+              <a:buFont typeface="Arial" panose="020B0604020202020204" pitchFamily="34" charset="0"/>
+              <a:buChar char="•"/>
+            </a:pPr>
+            <a:endParaRPr lang="en-US" dirty="0"/>
+          </a:p>
+          <a:p>
+            <a:pPr>
+              <a:buClr>
+                <a:schemeClr val="tx1"/>
+              </a:buClr>
+              <a:buFont typeface="Arial" panose="020B0604020202020204" pitchFamily="34" charset="0"/>
+              <a:buChar char="•"/>
+            </a:pPr>
+            <a:endParaRPr lang="en-US" dirty="0"/>
+          </a:p>
+        </p:txBody>
+      </p:sp>
+    </p:spTree>
+    <p:extLst>
+      <p:ext uri="{BB962C8B-B14F-4D97-AF65-F5344CB8AC3E}">
+        <p14:creationId xmlns:p14="http://schemas.microsoft.com/office/powerpoint/2010/main" val="15875264"/>
       </p:ext>
     </p:extLst>
   </p:cSld>
